--- a/11-integracni-sluzby/cviceni-11.pptx
+++ b/11-integracni-sluzby/cviceni-11.pptx
@@ -23,13 +23,15 @@
     <p:sldId id="317" r:id="rId17"/>
     <p:sldId id="319" r:id="rId18"/>
     <p:sldId id="322" r:id="rId19"/>
-    <p:sldId id="328" r:id="rId20"/>
-    <p:sldId id="318" r:id="rId21"/>
-    <p:sldId id="331" r:id="rId22"/>
-    <p:sldId id="332" r:id="rId23"/>
-    <p:sldId id="320" r:id="rId24"/>
-    <p:sldId id="281" r:id="rId25"/>
-    <p:sldId id="323" r:id="rId26"/>
+    <p:sldId id="333" r:id="rId20"/>
+    <p:sldId id="334" r:id="rId21"/>
+    <p:sldId id="328" r:id="rId22"/>
+    <p:sldId id="318" r:id="rId23"/>
+    <p:sldId id="331" r:id="rId24"/>
+    <p:sldId id="332" r:id="rId25"/>
+    <p:sldId id="320" r:id="rId26"/>
+    <p:sldId id="281" r:id="rId27"/>
+    <p:sldId id="323" r:id="rId28"/>
   </p:sldIdLst>
   <p:sldSz cx="12192000" cy="6858000"/>
   <p:notesSz cx="6858000" cy="9144000"/>
@@ -861,7 +863,7 @@
             <a:fld id="{5586B75A-687E-405C-8A0B-8D00578BA2C3}" type="datetimeFigureOut">
               <a:rPr lang="en-US" smtClean="0"/>
               <a:pPr/>
-              <a:t>5/6/2021</a:t>
+              <a:t>12/4/2022</a:t>
             </a:fld>
             <a:endParaRPr lang="en-US" dirty="0"/>
           </a:p>
@@ -1114,7 +1116,7 @@
             <a:fld id="{5586B75A-687E-405C-8A0B-8D00578BA2C3}" type="datetimeFigureOut">
               <a:rPr lang="en-US" smtClean="0"/>
               <a:pPr/>
-              <a:t>5/6/2021</a:t>
+              <a:t>12/4/2022</a:t>
             </a:fld>
             <a:endParaRPr lang="en-US" dirty="0"/>
           </a:p>
@@ -1431,7 +1433,7 @@
             <a:fld id="{5586B75A-687E-405C-8A0B-8D00578BA2C3}" type="datetimeFigureOut">
               <a:rPr lang="en-US" smtClean="0"/>
               <a:pPr/>
-              <a:t>5/6/2021</a:t>
+              <a:t>12/4/2022</a:t>
             </a:fld>
             <a:endParaRPr lang="en-US" dirty="0"/>
           </a:p>
@@ -1761,7 +1763,7 @@
             <a:fld id="{5586B75A-687E-405C-8A0B-8D00578BA2C3}" type="datetimeFigureOut">
               <a:rPr lang="en-US" smtClean="0"/>
               <a:pPr/>
-              <a:t>5/6/2021</a:t>
+              <a:t>12/4/2022</a:t>
             </a:fld>
             <a:endParaRPr lang="en-US" dirty="0"/>
           </a:p>
@@ -2078,7 +2080,7 @@
             <a:fld id="{5586B75A-687E-405C-8A0B-8D00578BA2C3}" type="datetimeFigureOut">
               <a:rPr lang="en-US" smtClean="0"/>
               <a:pPr/>
-              <a:t>5/6/2021</a:t>
+              <a:t>12/4/2022</a:t>
             </a:fld>
             <a:endParaRPr lang="en-US" dirty="0"/>
           </a:p>
@@ -2468,7 +2470,7 @@
             <a:fld id="{5586B75A-687E-405C-8A0B-8D00578BA2C3}" type="datetimeFigureOut">
               <a:rPr lang="en-US" smtClean="0"/>
               <a:pPr/>
-              <a:t>5/6/2021</a:t>
+              <a:t>12/4/2022</a:t>
             </a:fld>
             <a:endParaRPr lang="en-US" dirty="0"/>
           </a:p>
@@ -2640,7 +2642,7 @@
           <a:p>
             <a:fld id="{5F4E5243-F52A-4D37-9694-EB26C6C31910}" type="datetimeFigureOut">
               <a:rPr lang="en-US" smtClean="0"/>
-              <a:t>5/6/2021</a:t>
+              <a:t>12/4/2022</a:t>
             </a:fld>
             <a:endParaRPr lang="en-US" dirty="0"/>
           </a:p>
@@ -2820,7 +2822,7 @@
           <a:p>
             <a:fld id="{3A77B6E1-634A-48DC-9E8B-D894023267EF}" type="datetimeFigureOut">
               <a:rPr lang="en-US" smtClean="0"/>
-              <a:t>5/6/2021</a:t>
+              <a:t>12/4/2022</a:t>
             </a:fld>
             <a:endParaRPr lang="en-US" dirty="0"/>
           </a:p>
@@ -2996,7 +2998,7 @@
           <a:p>
             <a:fld id="{7B2D3E9E-A95C-48F2-B4BF-A71542E0BE9A}" type="datetimeFigureOut">
               <a:rPr lang="en-US" smtClean="0"/>
-              <a:t>5/6/2021</a:t>
+              <a:t>12/4/2022</a:t>
             </a:fld>
             <a:endParaRPr lang="en-US" dirty="0"/>
           </a:p>
@@ -3244,7 +3246,7 @@
             <a:fld id="{5586B75A-687E-405C-8A0B-8D00578BA2C3}" type="datetimeFigureOut">
               <a:rPr lang="en-US" smtClean="0"/>
               <a:pPr/>
-              <a:t>5/6/2021</a:t>
+              <a:t>12/4/2022</a:t>
             </a:fld>
             <a:endParaRPr lang="en-US" dirty="0"/>
           </a:p>
@@ -3477,7 +3479,7 @@
           <a:p>
             <a:fld id="{F12952B5-7A2F-4CC8-B7CE-9234E21C2837}" type="datetimeFigureOut">
               <a:rPr lang="en-US" smtClean="0"/>
-              <a:t>5/6/2021</a:t>
+              <a:t>12/4/2022</a:t>
             </a:fld>
             <a:endParaRPr lang="en-US" dirty="0"/>
           </a:p>
@@ -3851,7 +3853,7 @@
           <a:p>
             <a:fld id="{CE1DA07A-9201-4B4B-BAF2-015AFA30F520}" type="datetimeFigureOut">
               <a:rPr lang="en-US" smtClean="0"/>
-              <a:t>5/6/2021</a:t>
+              <a:t>12/4/2022</a:t>
             </a:fld>
             <a:endParaRPr lang="en-US" dirty="0"/>
           </a:p>
@@ -3974,7 +3976,7 @@
           <a:p>
             <a:fld id="{73D7E00A-486F-4252-8B1D-E32645521F49}" type="datetimeFigureOut">
               <a:rPr lang="en-US" smtClean="0"/>
-              <a:t>5/6/2021</a:t>
+              <a:t>12/4/2022</a:t>
             </a:fld>
             <a:endParaRPr lang="en-US" dirty="0"/>
           </a:p>
@@ -4069,7 +4071,7 @@
           <a:p>
             <a:fld id="{8DDF5F92-E675-4B36-9A60-69A962A68675}" type="datetimeFigureOut">
               <a:rPr lang="en-US" smtClean="0"/>
-              <a:t>5/6/2021</a:t>
+              <a:t>12/4/2022</a:t>
             </a:fld>
             <a:endParaRPr lang="en-US" dirty="0"/>
           </a:p>
@@ -4324,7 +4326,7 @@
           <a:p>
             <a:fld id="{AF6E2C9B-5FA2-460D-9BE7-B0812FC2A6FF}" type="datetimeFigureOut">
               <a:rPr lang="en-US" smtClean="0"/>
-              <a:t>5/6/2021</a:t>
+              <a:t>12/4/2022</a:t>
             </a:fld>
             <a:endParaRPr lang="en-US" dirty="0"/>
           </a:p>
@@ -4589,7 +4591,7 @@
             <a:fld id="{5586B75A-687E-405C-8A0B-8D00578BA2C3}" type="datetimeFigureOut">
               <a:rPr lang="en-US" smtClean="0"/>
               <a:pPr/>
-              <a:t>5/6/2021</a:t>
+              <a:t>12/4/2022</a:t>
             </a:fld>
             <a:endParaRPr lang="en-US" dirty="0"/>
           </a:p>
@@ -5336,7 +5338,7 @@
             <a:fld id="{5586B75A-687E-405C-8A0B-8D00578BA2C3}" type="datetimeFigureOut">
               <a:rPr lang="en-US" smtClean="0"/>
               <a:pPr/>
-              <a:t>5/6/2021</a:t>
+              <a:t>12/4/2022</a:t>
             </a:fld>
             <a:endParaRPr lang="en-US" dirty="0"/>
           </a:p>
@@ -6186,7 +6188,7 @@
             <a:pPr lvl="1"/>
             <a:r>
               <a:rPr lang="cs-CZ" dirty="0"/>
-              <a:t>Jinak platba 3.99 USD/měsíc za PRO verzi</a:t>
+              <a:t>Jinak platba 59 - 71 Kč/měsíc za PRO verzi</a:t>
             </a:r>
           </a:p>
           <a:p>
@@ -6729,10 +6731,10 @@
       </p:sp>
       <p:pic>
         <p:nvPicPr>
-          <p:cNvPr id="7" name="Obrázek 6">
+          <p:cNvPr id="5" name="Obrázek 4">
             <a:extLst>
               <a:ext uri="{FF2B5EF4-FFF2-40B4-BE49-F238E27FC236}">
-                <a16:creationId xmlns:a16="http://schemas.microsoft.com/office/drawing/2014/main" id="{0A95D78B-B21C-4A72-8D76-177566CC746C}"/>
+                <a16:creationId xmlns:a16="http://schemas.microsoft.com/office/drawing/2014/main" id="{0AD6B5DE-4F86-4F07-AD6A-69C1D714DED9}"/>
               </a:ext>
             </a:extLst>
           </p:cNvPr>
@@ -6749,8 +6751,8 @@
         </p:blipFill>
         <p:spPr>
           <a:xfrm>
-            <a:off x="486151" y="1523341"/>
-            <a:ext cx="4511923" cy="2536718"/>
+            <a:off x="283208" y="1245182"/>
+            <a:ext cx="4798632" cy="2697913"/>
           </a:xfrm>
           <a:prstGeom prst="rect">
             <a:avLst/>
@@ -6759,10 +6761,10 @@
       </p:pic>
       <p:pic>
         <p:nvPicPr>
-          <p:cNvPr id="9" name="Obrázek 8">
+          <p:cNvPr id="8" name="Obrázek 7">
             <a:extLst>
               <a:ext uri="{FF2B5EF4-FFF2-40B4-BE49-F238E27FC236}">
-                <a16:creationId xmlns:a16="http://schemas.microsoft.com/office/drawing/2014/main" id="{DB060DB9-3331-49E9-99A1-ECF42BB7CE67}"/>
+                <a16:creationId xmlns:a16="http://schemas.microsoft.com/office/drawing/2014/main" id="{BFE4D951-E002-41DC-8868-879CBDBCFB5F}"/>
               </a:ext>
             </a:extLst>
           </p:cNvPr>
@@ -6779,8 +6781,8 @@
         </p:blipFill>
         <p:spPr>
           <a:xfrm>
-            <a:off x="5075022" y="1523341"/>
-            <a:ext cx="4511922" cy="2536718"/>
+            <a:off x="5238596" y="1245182"/>
+            <a:ext cx="4798632" cy="2697913"/>
           </a:xfrm>
           <a:prstGeom prst="rect">
             <a:avLst/>
@@ -6789,10 +6791,10 @@
       </p:pic>
       <p:pic>
         <p:nvPicPr>
-          <p:cNvPr id="11" name="Obrázek 10">
+          <p:cNvPr id="12" name="Obrázek 11">
             <a:extLst>
               <a:ext uri="{FF2B5EF4-FFF2-40B4-BE49-F238E27FC236}">
-                <a16:creationId xmlns:a16="http://schemas.microsoft.com/office/drawing/2014/main" id="{6BB63087-4CAF-4463-82AA-7C9A8B78D7DD}"/>
+                <a16:creationId xmlns:a16="http://schemas.microsoft.com/office/drawing/2014/main" id="{5FC69ADC-3384-410C-83DD-C8F6DABF5C20}"/>
               </a:ext>
             </a:extLst>
           </p:cNvPr>
@@ -6809,8 +6811,8 @@
         </p:blipFill>
         <p:spPr>
           <a:xfrm>
-            <a:off x="486152" y="4166811"/>
-            <a:ext cx="4511922" cy="2536718"/>
+            <a:off x="283207" y="4061962"/>
+            <a:ext cx="4798632" cy="2697914"/>
           </a:xfrm>
           <a:prstGeom prst="rect">
             <a:avLst/>
@@ -6819,10 +6821,10 @@
       </p:pic>
       <p:pic>
         <p:nvPicPr>
-          <p:cNvPr id="13" name="Obrázek 12">
+          <p:cNvPr id="15" name="Obrázek 14">
             <a:extLst>
               <a:ext uri="{FF2B5EF4-FFF2-40B4-BE49-F238E27FC236}">
-                <a16:creationId xmlns:a16="http://schemas.microsoft.com/office/drawing/2014/main" id="{5279B915-5D17-4C2F-95FF-CFA3EAE10A6E}"/>
+                <a16:creationId xmlns:a16="http://schemas.microsoft.com/office/drawing/2014/main" id="{382B9906-B85D-4F2E-8461-CA1E2FDA562B}"/>
               </a:ext>
             </a:extLst>
           </p:cNvPr>
@@ -6839,8 +6841,8 @@
         </p:blipFill>
         <p:spPr>
           <a:xfrm>
-            <a:off x="5097778" y="4166811"/>
-            <a:ext cx="4511922" cy="2536718"/>
+            <a:off x="5238596" y="4061963"/>
+            <a:ext cx="4798632" cy="2697913"/>
           </a:xfrm>
           <a:prstGeom prst="rect">
             <a:avLst/>
@@ -6909,37 +6911,12 @@
           </a:p>
         </p:txBody>
       </p:sp>
-      <p:sp>
-        <p:nvSpPr>
-          <p:cNvPr id="3" name="Zástupný obsah 2">
+      <p:pic>
+        <p:nvPicPr>
+          <p:cNvPr id="7" name="Obrázek 6">
             <a:extLst>
               <a:ext uri="{FF2B5EF4-FFF2-40B4-BE49-F238E27FC236}">
-                <a16:creationId xmlns:a16="http://schemas.microsoft.com/office/drawing/2014/main" id="{6EA0D86C-6F21-42D8-9CB4-16392675FCD2}"/>
-              </a:ext>
-            </a:extLst>
-          </p:cNvPr>
-          <p:cNvSpPr>
-            <a:spLocks noGrp="1"/>
-          </p:cNvSpPr>
-          <p:nvPr>
-            <p:ph idx="1"/>
-          </p:nvPr>
-        </p:nvSpPr>
-        <p:spPr/>
-        <p:txBody>
-          <a:bodyPr/>
-          <a:lstStyle/>
-          <a:p>
-            <a:endParaRPr lang="cs-CZ"/>
-          </a:p>
-        </p:txBody>
-      </p:sp>
-      <p:pic>
-        <p:nvPicPr>
-          <p:cNvPr id="4" name="Obrázek 3">
-            <a:extLst>
-              <a:ext uri="{FF2B5EF4-FFF2-40B4-BE49-F238E27FC236}">
-                <a16:creationId xmlns:a16="http://schemas.microsoft.com/office/drawing/2014/main" id="{D46EB2BC-04D7-4C95-ACF8-28ADA137D48A}"/>
+                <a16:creationId xmlns:a16="http://schemas.microsoft.com/office/drawing/2014/main" id="{414A2403-C8C7-4D6B-83B3-A4606DBBAE2C}"/>
               </a:ext>
             </a:extLst>
           </p:cNvPr>
@@ -6956,20 +6933,45 @@
         </p:blipFill>
         <p:spPr>
           <a:xfrm>
-            <a:off x="540050" y="1528117"/>
-            <a:ext cx="5707313" cy="3208797"/>
+            <a:off x="473106" y="1526384"/>
+            <a:ext cx="5707314" cy="3208797"/>
           </a:xfrm>
           <a:prstGeom prst="rect">
             <a:avLst/>
           </a:prstGeom>
         </p:spPr>
       </p:pic>
+      <p:sp>
+        <p:nvSpPr>
+          <p:cNvPr id="3" name="Zástupný obsah 2">
+            <a:extLst>
+              <a:ext uri="{FF2B5EF4-FFF2-40B4-BE49-F238E27FC236}">
+                <a16:creationId xmlns:a16="http://schemas.microsoft.com/office/drawing/2014/main" id="{6EA0D86C-6F21-42D8-9CB4-16392675FCD2}"/>
+              </a:ext>
+            </a:extLst>
+          </p:cNvPr>
+          <p:cNvSpPr>
+            <a:spLocks noGrp="1"/>
+          </p:cNvSpPr>
+          <p:nvPr>
+            <p:ph idx="1"/>
+          </p:nvPr>
+        </p:nvSpPr>
+        <p:spPr/>
+        <p:txBody>
+          <a:bodyPr/>
+          <a:lstStyle/>
+          <a:p>
+            <a:endParaRPr lang="cs-CZ" dirty="0"/>
+          </a:p>
+        </p:txBody>
+      </p:sp>
       <p:pic>
         <p:nvPicPr>
-          <p:cNvPr id="6" name="Obrázek 5">
+          <p:cNvPr id="9" name="Obrázek 8">
             <a:extLst>
               <a:ext uri="{FF2B5EF4-FFF2-40B4-BE49-F238E27FC236}">
-                <a16:creationId xmlns:a16="http://schemas.microsoft.com/office/drawing/2014/main" id="{753667C6-24A3-45A2-8D1E-ACA1401A82BA}"/>
+                <a16:creationId xmlns:a16="http://schemas.microsoft.com/office/drawing/2014/main" id="{4E6D4E90-06BB-41E5-8AD3-FC60B1963D75}"/>
               </a:ext>
             </a:extLst>
           </p:cNvPr>
@@ -6986,7 +6988,7 @@
         </p:blipFill>
         <p:spPr>
           <a:xfrm>
-            <a:off x="6314307" y="3429000"/>
+            <a:off x="6258036" y="3323202"/>
             <a:ext cx="5707313" cy="3208797"/>
           </a:xfrm>
           <a:prstGeom prst="rect">
@@ -7046,10 +7048,9 @@
           <a:lstStyle/>
           <a:p>
             <a:r>
-              <a:rPr lang="cs-CZ" dirty="0" err="1"/>
-              <a:t>Integromat</a:t>
-            </a:r>
-            <a:endParaRPr lang="cs-CZ" dirty="0"/>
+              <a:rPr lang="cs-CZ" dirty="0"/>
+              <a:t>Make</a:t>
+            </a:r>
           </a:p>
         </p:txBody>
       </p:sp>
@@ -7078,7 +7079,7 @@
               <a:rPr lang="cs-CZ" dirty="0">
                 <a:hlinkClick r:id="rId2"/>
               </a:rPr>
-              <a:t>https://www.integromat.com</a:t>
+              <a:t>https://www.make.com</a:t>
             </a:r>
             <a:r>
               <a:rPr lang="cs-CZ" dirty="0"/>
@@ -7106,13 +7107,8 @@
             <a:pPr lvl="1"/>
             <a:r>
               <a:rPr lang="cs-CZ" dirty="0"/>
-              <a:t>Placené verze od 9 USD/měsíc do 299 USD/měsíc, případně individuální </a:t>
-            </a:r>
-            <a:r>
-              <a:rPr lang="cs-CZ" dirty="0" err="1"/>
-              <a:t>nabídků</a:t>
-            </a:r>
-            <a:endParaRPr lang="cs-CZ" dirty="0"/>
+              <a:t>Placené verze od 9 USD/měsíc do 8000 USD/měsíc</a:t>
+            </a:r>
           </a:p>
           <a:p>
             <a:endParaRPr lang="cs-CZ" dirty="0"/>
@@ -8652,13 +8648,13 @@
         </p:nvPicPr>
         <p:blipFill rotWithShape="1">
           <a:blip r:embed="rId2"/>
-          <a:srcRect l="7262" t="13527" r="8570" b="14903"/>
+          <a:srcRect l="7262" t="21540" r="8570" b="14903"/>
           <a:stretch/>
         </p:blipFill>
         <p:spPr>
           <a:xfrm>
-            <a:off x="1298359" y="1131994"/>
-            <a:ext cx="9597158" cy="4590386"/>
+            <a:off x="1298359" y="1645920"/>
+            <a:ext cx="9597158" cy="4076460"/>
           </a:xfrm>
           <a:prstGeom prst="rect">
             <a:avLst/>
@@ -8700,7 +8696,7 @@
           <p:cNvPr id="2" name="Nadpis 1">
             <a:extLst>
               <a:ext uri="{FF2B5EF4-FFF2-40B4-BE49-F238E27FC236}">
-                <a16:creationId xmlns:a16="http://schemas.microsoft.com/office/drawing/2014/main" id="{74EBEA1F-954A-488A-9974-2AB4C3BD2550}"/>
+                <a16:creationId xmlns:a16="http://schemas.microsoft.com/office/drawing/2014/main" id="{996AEC3E-9FE6-4F57-8DBF-68B59F48CB92}"/>
               </a:ext>
             </a:extLst>
           </p:cNvPr>
@@ -8716,11 +8712,7 @@
           <a:bodyPr/>
           <a:lstStyle/>
           <a:p>
-            <a:r>
-              <a:rPr lang="cs-CZ" dirty="0" err="1"/>
-              <a:t>Integromat</a:t>
-            </a:r>
-            <a:endParaRPr lang="cs-CZ" dirty="0"/>
+            <a:endParaRPr lang="cs-CZ"/>
           </a:p>
         </p:txBody>
       </p:sp>
@@ -8729,7 +8721,7 @@
           <p:cNvPr id="3" name="Zástupný obsah 2">
             <a:extLst>
               <a:ext uri="{FF2B5EF4-FFF2-40B4-BE49-F238E27FC236}">
-                <a16:creationId xmlns:a16="http://schemas.microsoft.com/office/drawing/2014/main" id="{10794E0E-B59A-4890-A39E-4B79908639A8}"/>
+                <a16:creationId xmlns:a16="http://schemas.microsoft.com/office/drawing/2014/main" id="{2ABB4E9C-C1B6-4828-9058-76B99707591C}"/>
               </a:ext>
             </a:extLst>
           </p:cNvPr>
@@ -8745,34 +8737,43 @@
           <a:bodyPr/>
           <a:lstStyle/>
           <a:p>
-            <a:r>
-              <a:rPr lang="cs-CZ" dirty="0">
-                <a:solidFill>
-                  <a:srgbClr val="FFC000"/>
-                </a:solidFill>
-              </a:rPr>
-              <a:t>Pojďme se podívat na </a:t>
-            </a:r>
-            <a:r>
-              <a:rPr lang="cs-CZ" dirty="0">
-                <a:hlinkClick r:id="rId2"/>
-              </a:rPr>
-              <a:t>https://www.integromat.com</a:t>
-            </a:r>
-            <a:r>
-              <a:rPr lang="cs-CZ" dirty="0"/>
-              <a:t> </a:t>
-            </a:r>
-          </a:p>
-          <a:p>
-            <a:endParaRPr lang="cs-CZ" dirty="0"/>
-          </a:p>
-        </p:txBody>
-      </p:sp>
+            <a:endParaRPr lang="cs-CZ"/>
+          </a:p>
+        </p:txBody>
+      </p:sp>
+      <p:pic>
+        <p:nvPicPr>
+          <p:cNvPr id="5" name="Obrázek 4">
+            <a:extLst>
+              <a:ext uri="{FF2B5EF4-FFF2-40B4-BE49-F238E27FC236}">
+                <a16:creationId xmlns:a16="http://schemas.microsoft.com/office/drawing/2014/main" id="{E8AA1F1B-9C5D-4178-8F69-3C5F0BDFD74D}"/>
+              </a:ext>
+            </a:extLst>
+          </p:cNvPr>
+          <p:cNvPicPr>
+            <a:picLocks noChangeAspect="1"/>
+          </p:cNvPicPr>
+          <p:nvPr/>
+        </p:nvPicPr>
+        <p:blipFill rotWithShape="1">
+          <a:blip r:embed="rId2"/>
+          <a:srcRect t="11747"/>
+          <a:stretch/>
+        </p:blipFill>
+        <p:spPr>
+          <a:xfrm>
+            <a:off x="0" y="638628"/>
+            <a:ext cx="12192000" cy="5734391"/>
+          </a:xfrm>
+          <a:prstGeom prst="rect">
+            <a:avLst/>
+          </a:prstGeom>
+        </p:spPr>
+      </p:pic>
     </p:spTree>
     <p:extLst>
       <p:ext uri="{BB962C8B-B14F-4D97-AF65-F5344CB8AC3E}">
-        <p14:creationId xmlns:p14="http://schemas.microsoft.com/office/powerpoint/2010/main" val="4263883600"/>
+        <p14:creationId xmlns:p14="http://schemas.microsoft.com/office/powerpoint/2010/main" val="2147837750"/>
       </p:ext>
     </p:extLst>
   </p:cSld>
@@ -8942,7 +8943,7 @@
           <p:cNvPr id="2" name="Nadpis 1">
             <a:extLst>
               <a:ext uri="{FF2B5EF4-FFF2-40B4-BE49-F238E27FC236}">
-                <a16:creationId xmlns:a16="http://schemas.microsoft.com/office/drawing/2014/main" id="{F2177778-1FC1-416A-9871-5AED89AAC202}"/>
+                <a16:creationId xmlns:a16="http://schemas.microsoft.com/office/drawing/2014/main" id="{D09E0151-8D98-40CB-9BDC-1BBBAE3A1DB5}"/>
               </a:ext>
             </a:extLst>
           </p:cNvPr>
@@ -8958,15 +8959,7 @@
           <a:bodyPr/>
           <a:lstStyle/>
           <a:p>
-            <a:r>
-              <a:rPr lang="cs-CZ" dirty="0"/>
-              <a:t>Microsoft </a:t>
-            </a:r>
-            <a:r>
-              <a:rPr lang="cs-CZ" dirty="0" err="1"/>
-              <a:t>Flow</a:t>
-            </a:r>
-            <a:endParaRPr lang="cs-CZ" dirty="0"/>
+            <a:endParaRPr lang="cs-CZ"/>
           </a:p>
         </p:txBody>
       </p:sp>
@@ -8975,7 +8968,7 @@
           <p:cNvPr id="3" name="Zástupný obsah 2">
             <a:extLst>
               <a:ext uri="{FF2B5EF4-FFF2-40B4-BE49-F238E27FC236}">
-                <a16:creationId xmlns:a16="http://schemas.microsoft.com/office/drawing/2014/main" id="{CB7E99EA-F0A8-412C-935F-902C041FF121}"/>
+                <a16:creationId xmlns:a16="http://schemas.microsoft.com/office/drawing/2014/main" id="{8EBE35ED-C1A4-4FB0-88F4-2861C1C5125B}"/>
               </a:ext>
             </a:extLst>
           </p:cNvPr>
@@ -8991,58 +8984,43 @@
           <a:bodyPr/>
           <a:lstStyle/>
           <a:p>
-            <a:r>
-              <a:rPr lang="cs-CZ" dirty="0">
-                <a:hlinkClick r:id="rId2"/>
-              </a:rPr>
-              <a:t>https://flow.microsoft.com</a:t>
-            </a:r>
-            <a:r>
-              <a:rPr lang="cs-CZ" dirty="0"/>
-              <a:t>, případně v O365</a:t>
-            </a:r>
-          </a:p>
-          <a:p>
-            <a:r>
-              <a:rPr lang="cs-CZ" dirty="0"/>
-              <a:t>Označované také jako „Microsoft </a:t>
-            </a:r>
-            <a:r>
-              <a:rPr lang="cs-CZ" dirty="0" err="1"/>
-              <a:t>Power</a:t>
-            </a:r>
-            <a:r>
-              <a:rPr lang="cs-CZ" dirty="0"/>
-              <a:t> Automate“</a:t>
-            </a:r>
-          </a:p>
-          <a:p>
-            <a:r>
-              <a:rPr lang="cs-CZ" dirty="0"/>
-              <a:t>Velmi dobrá spolupráce s aplikacemi od Microsoftu, ale najdete zde i služby od dalších společností</a:t>
-            </a:r>
-          </a:p>
-          <a:p>
-            <a:r>
-              <a:rPr lang="cs-CZ" dirty="0"/>
-              <a:t>Podpora i desktopových „toků“</a:t>
-            </a:r>
-          </a:p>
-          <a:p>
-            <a:r>
-              <a:rPr lang="cs-CZ" dirty="0"/>
-              <a:t>Možnost přímé integrace s databázemi, práce s proměnnými</a:t>
-            </a:r>
-          </a:p>
-          <a:p>
-            <a:endParaRPr lang="cs-CZ" dirty="0"/>
-          </a:p>
-        </p:txBody>
-      </p:sp>
+            <a:endParaRPr lang="cs-CZ"/>
+          </a:p>
+        </p:txBody>
+      </p:sp>
+      <p:pic>
+        <p:nvPicPr>
+          <p:cNvPr id="5" name="Obrázek 4">
+            <a:extLst>
+              <a:ext uri="{FF2B5EF4-FFF2-40B4-BE49-F238E27FC236}">
+                <a16:creationId xmlns:a16="http://schemas.microsoft.com/office/drawing/2014/main" id="{08983B89-2892-4FDF-BAEC-39759110C625}"/>
+              </a:ext>
+            </a:extLst>
+          </p:cNvPr>
+          <p:cNvPicPr>
+            <a:picLocks noChangeAspect="1"/>
+          </p:cNvPicPr>
+          <p:nvPr/>
+        </p:nvPicPr>
+        <p:blipFill rotWithShape="1">
+          <a:blip r:embed="rId2"/>
+          <a:srcRect t="11970"/>
+          <a:stretch/>
+        </p:blipFill>
+        <p:spPr>
+          <a:xfrm>
+            <a:off x="0" y="665618"/>
+            <a:ext cx="12192000" cy="5719877"/>
+          </a:xfrm>
+          <a:prstGeom prst="rect">
+            <a:avLst/>
+          </a:prstGeom>
+        </p:spPr>
+      </p:pic>
     </p:spTree>
     <p:extLst>
       <p:ext uri="{BB962C8B-B14F-4D97-AF65-F5344CB8AC3E}">
-        <p14:creationId xmlns:p14="http://schemas.microsoft.com/office/powerpoint/2010/main" val="3881244553"/>
+        <p14:creationId xmlns:p14="http://schemas.microsoft.com/office/powerpoint/2010/main" val="4227160105"/>
       </p:ext>
     </p:extLst>
   </p:cSld>
@@ -9074,7 +9052,7 @@
           <p:cNvPr id="2" name="Nadpis 1">
             <a:extLst>
               <a:ext uri="{FF2B5EF4-FFF2-40B4-BE49-F238E27FC236}">
-                <a16:creationId xmlns:a16="http://schemas.microsoft.com/office/drawing/2014/main" id="{74524FAD-4303-4BA8-A4AE-27814856D622}"/>
+                <a16:creationId xmlns:a16="http://schemas.microsoft.com/office/drawing/2014/main" id="{74EBEA1F-954A-488A-9974-2AB4C3BD2550}"/>
               </a:ext>
             </a:extLst>
           </p:cNvPr>
@@ -9092,13 +9070,8 @@
           <a:p>
             <a:r>
               <a:rPr lang="cs-CZ" dirty="0"/>
-              <a:t>Microsoft </a:t>
-            </a:r>
-            <a:r>
-              <a:rPr lang="cs-CZ" dirty="0" err="1"/>
-              <a:t>Flow</a:t>
-            </a:r>
-            <a:endParaRPr lang="cs-CZ" dirty="0"/>
+              <a:t>Make</a:t>
+            </a:r>
           </a:p>
         </p:txBody>
       </p:sp>
@@ -9107,7 +9080,7 @@
           <p:cNvPr id="3" name="Zástupný obsah 2">
             <a:extLst>
               <a:ext uri="{FF2B5EF4-FFF2-40B4-BE49-F238E27FC236}">
-                <a16:creationId xmlns:a16="http://schemas.microsoft.com/office/drawing/2014/main" id="{702EDFE8-B27C-461B-80E5-0B2C7570958C}"/>
+                <a16:creationId xmlns:a16="http://schemas.microsoft.com/office/drawing/2014/main" id="{10794E0E-B59A-4890-A39E-4B79908639A8}"/>
               </a:ext>
             </a:extLst>
           </p:cNvPr>
@@ -9123,79 +9096,42 @@
           <a:bodyPr/>
           <a:lstStyle/>
           <a:p>
-            <a:endParaRPr lang="cs-CZ"/>
-          </a:p>
-        </p:txBody>
-      </p:sp>
-      <p:pic>
-        <p:nvPicPr>
-          <p:cNvPr id="7" name="Obrázek 6">
-            <a:extLst>
-              <a:ext uri="{FF2B5EF4-FFF2-40B4-BE49-F238E27FC236}">
-                <a16:creationId xmlns:a16="http://schemas.microsoft.com/office/drawing/2014/main" id="{2E40383A-5A19-4B20-8815-19526F6B5D24}"/>
-              </a:ext>
-            </a:extLst>
-          </p:cNvPr>
-          <p:cNvPicPr>
-            <a:picLocks noChangeAspect="1"/>
-          </p:cNvPicPr>
-          <p:nvPr/>
-        </p:nvPicPr>
-        <p:blipFill>
-          <a:blip r:embed="rId2"/>
-          <a:stretch>
-            <a:fillRect/>
-          </a:stretch>
-        </p:blipFill>
-        <p:spPr>
-          <a:xfrm>
-            <a:off x="316241" y="1345624"/>
-            <a:ext cx="6902521" cy="3880773"/>
-          </a:xfrm>
-          <a:prstGeom prst="rect">
-            <a:avLst/>
-          </a:prstGeom>
-        </p:spPr>
-      </p:pic>
-      <p:pic>
-        <p:nvPicPr>
-          <p:cNvPr id="5" name="Obrázek 4">
-            <a:extLst>
-              <a:ext uri="{FF2B5EF4-FFF2-40B4-BE49-F238E27FC236}">
-                <a16:creationId xmlns:a16="http://schemas.microsoft.com/office/drawing/2014/main" id="{B6670D5E-4778-453C-9D16-8B392D41CF5D}"/>
-              </a:ext>
-            </a:extLst>
-          </p:cNvPr>
-          <p:cNvPicPr>
-            <a:picLocks noChangeAspect="1"/>
-          </p:cNvPicPr>
-          <p:nvPr/>
-        </p:nvPicPr>
-        <p:blipFill>
-          <a:blip r:embed="rId3"/>
-          <a:stretch>
-            <a:fillRect/>
-          </a:stretch>
-        </p:blipFill>
-        <p:spPr>
-          <a:xfrm>
-            <a:off x="4948225" y="2718376"/>
-            <a:ext cx="7131234" cy="4009362"/>
-          </a:xfrm>
-          <a:prstGeom prst="rect">
-            <a:avLst/>
-          </a:prstGeom>
-          <a:ln>
-            <a:solidFill>
-              <a:schemeClr val="bg1"/>
-            </a:solidFill>
-          </a:ln>
-        </p:spPr>
-      </p:pic>
+            <a:r>
+              <a:rPr lang="cs-CZ" dirty="0">
+                <a:solidFill>
+                  <a:srgbClr val="FFC000"/>
+                </a:solidFill>
+              </a:rPr>
+              <a:t>Pojďme se podívat na </a:t>
+            </a:r>
+            <a:r>
+              <a:rPr lang="cs-CZ" dirty="0">
+                <a:solidFill>
+                  <a:srgbClr val="FFC000"/>
+                </a:solidFill>
+                <a:hlinkClick r:id="rId2"/>
+              </a:rPr>
+              <a:t>https://www.make.com</a:t>
+            </a:r>
+            <a:r>
+              <a:rPr lang="cs-CZ" dirty="0">
+                <a:solidFill>
+                  <a:srgbClr val="FFC000"/>
+                </a:solidFill>
+              </a:rPr>
+              <a:t> </a:t>
+            </a:r>
+            <a:endParaRPr lang="cs-CZ" dirty="0"/>
+          </a:p>
+          <a:p>
+            <a:endParaRPr lang="cs-CZ" dirty="0"/>
+          </a:p>
+        </p:txBody>
+      </p:sp>
     </p:spTree>
     <p:extLst>
       <p:ext uri="{BB962C8B-B14F-4D97-AF65-F5344CB8AC3E}">
-        <p14:creationId xmlns:p14="http://schemas.microsoft.com/office/powerpoint/2010/main" val="686536950"/>
+        <p14:creationId xmlns:p14="http://schemas.microsoft.com/office/powerpoint/2010/main" val="4263883600"/>
       </p:ext>
     </p:extLst>
   </p:cSld>
@@ -9227,7 +9163,7 @@
           <p:cNvPr id="2" name="Nadpis 1">
             <a:extLst>
               <a:ext uri="{FF2B5EF4-FFF2-40B4-BE49-F238E27FC236}">
-                <a16:creationId xmlns:a16="http://schemas.microsoft.com/office/drawing/2014/main" id="{94C2AAC6-DADE-45C9-8505-B5C52640D591}"/>
+                <a16:creationId xmlns:a16="http://schemas.microsoft.com/office/drawing/2014/main" id="{F2177778-1FC1-416A-9871-5AED89AAC202}"/>
               </a:ext>
             </a:extLst>
           </p:cNvPr>
@@ -9249,9 +9185,12 @@
             </a:r>
             <a:r>
               <a:rPr lang="cs-CZ" dirty="0" err="1"/>
-              <a:t>Flow</a:t>
-            </a:r>
-            <a:endParaRPr lang="cs-CZ" dirty="0"/>
+              <a:t>Power</a:t>
+            </a:r>
+            <a:r>
+              <a:rPr lang="cs-CZ" dirty="0"/>
+              <a:t> Automate</a:t>
+            </a:r>
           </a:p>
         </p:txBody>
       </p:sp>
@@ -9260,7 +9199,7 @@
           <p:cNvPr id="3" name="Zástupný obsah 2">
             <a:extLst>
               <a:ext uri="{FF2B5EF4-FFF2-40B4-BE49-F238E27FC236}">
-                <a16:creationId xmlns:a16="http://schemas.microsoft.com/office/drawing/2014/main" id="{A28495C5-23B9-4FE0-8225-F0574D04475E}"/>
+                <a16:creationId xmlns:a16="http://schemas.microsoft.com/office/drawing/2014/main" id="{CB7E99EA-F0A8-412C-935F-902C041FF121}"/>
               </a:ext>
             </a:extLst>
           </p:cNvPr>
@@ -9278,19 +9217,42 @@
           <a:p>
             <a:r>
               <a:rPr lang="cs-CZ" dirty="0">
-                <a:solidFill>
-                  <a:srgbClr val="FFC000"/>
-                </a:solidFill>
+                <a:hlinkClick r:id="rId2"/>
               </a:rPr>
-              <a:t>Bude zadán domácí úkol…</a:t>
-            </a:r>
+              <a:t>https://powerautomate.microsoft.com</a:t>
+            </a:r>
+            <a:r>
+              <a:rPr lang="cs-CZ" dirty="0"/>
+              <a:t>, případně v O365</a:t>
+            </a:r>
+          </a:p>
+          <a:p>
+            <a:r>
+              <a:rPr lang="cs-CZ" dirty="0"/>
+              <a:t>Velmi dobrá spolupráce s aplikacemi od Microsoftu, ale najdete zde i služby od dalších společností</a:t>
+            </a:r>
+          </a:p>
+          <a:p>
+            <a:r>
+              <a:rPr lang="cs-CZ" dirty="0"/>
+              <a:t>Podpora i desktopových „toků“</a:t>
+            </a:r>
+          </a:p>
+          <a:p>
+            <a:r>
+              <a:rPr lang="cs-CZ" dirty="0"/>
+              <a:t>Možnost přímé integrace s databázemi, práce s proměnnými</a:t>
+            </a:r>
+          </a:p>
+          <a:p>
+            <a:endParaRPr lang="cs-CZ" dirty="0"/>
           </a:p>
         </p:txBody>
       </p:sp>
     </p:spTree>
     <p:extLst>
       <p:ext uri="{BB962C8B-B14F-4D97-AF65-F5344CB8AC3E}">
-        <p14:creationId xmlns:p14="http://schemas.microsoft.com/office/powerpoint/2010/main" val="2555670809"/>
+        <p14:creationId xmlns:p14="http://schemas.microsoft.com/office/powerpoint/2010/main" val="3881244553"/>
       </p:ext>
     </p:extLst>
   </p:cSld>
@@ -9322,7 +9284,7 @@
           <p:cNvPr id="2" name="Nadpis 1">
             <a:extLst>
               <a:ext uri="{FF2B5EF4-FFF2-40B4-BE49-F238E27FC236}">
-                <a16:creationId xmlns:a16="http://schemas.microsoft.com/office/drawing/2014/main" id="{D4BDA815-9AEF-40A6-BA0C-65A2299C8584}"/>
+                <a16:creationId xmlns:a16="http://schemas.microsoft.com/office/drawing/2014/main" id="{74524FAD-4303-4BA8-A4AE-27814856D622}"/>
               </a:ext>
             </a:extLst>
           </p:cNvPr>
@@ -9340,7 +9302,15 @@
           <a:p>
             <a:r>
               <a:rPr lang="cs-CZ" dirty="0"/>
-              <a:t>Zdroje z „internetu věcí“</a:t>
+              <a:t>Microsoft </a:t>
+            </a:r>
+            <a:r>
+              <a:rPr lang="cs-CZ" dirty="0" err="1"/>
+              <a:t>Power</a:t>
+            </a:r>
+            <a:r>
+              <a:rPr lang="cs-CZ" dirty="0"/>
+              <a:t> Automate</a:t>
             </a:r>
           </a:p>
         </p:txBody>
@@ -9350,7 +9320,7 @@
           <p:cNvPr id="3" name="Zástupný obsah 2">
             <a:extLst>
               <a:ext uri="{FF2B5EF4-FFF2-40B4-BE49-F238E27FC236}">
-                <a16:creationId xmlns:a16="http://schemas.microsoft.com/office/drawing/2014/main" id="{10D82B64-3129-48CE-92F5-2319CC77ED0C}"/>
+                <a16:creationId xmlns:a16="http://schemas.microsoft.com/office/drawing/2014/main" id="{702EDFE8-B27C-461B-80E5-0B2C7570958C}"/>
               </a:ext>
             </a:extLst>
           </p:cNvPr>
@@ -9366,172 +9336,72 @@
           <a:bodyPr/>
           <a:lstStyle/>
           <a:p>
-            <a:r>
-              <a:rPr lang="cs-CZ" i="1" dirty="0">
-                <a:solidFill>
-                  <a:srgbClr val="FFC000"/>
-                </a:solidFill>
-              </a:rPr>
-              <a:t>Co to vlastně je „internet věcí“?</a:t>
-            </a:r>
-          </a:p>
-          <a:p>
-            <a:endParaRPr lang="cs-CZ" i="1" dirty="0">
-              <a:solidFill>
-                <a:srgbClr val="FFC000"/>
-              </a:solidFill>
-            </a:endParaRPr>
-          </a:p>
-          <a:p>
-            <a:endParaRPr lang="cs-CZ" i="1" dirty="0">
-              <a:solidFill>
-                <a:srgbClr val="FFC000"/>
-              </a:solidFill>
-            </a:endParaRPr>
-          </a:p>
-          <a:p>
-            <a:r>
-              <a:rPr lang="cs-CZ" dirty="0">
-                <a:solidFill>
-                  <a:schemeClr val="tx1"/>
-                </a:solidFill>
-              </a:rPr>
-              <a:t>Portály a integrační aplikace pro IOT</a:t>
-            </a:r>
-          </a:p>
-          <a:p>
-            <a:pPr lvl="1"/>
-            <a:r>
-              <a:rPr lang="cs-CZ" dirty="0">
-                <a:solidFill>
-                  <a:schemeClr val="tx1"/>
-                </a:solidFill>
-              </a:rPr>
-              <a:t>Určitě už znáte Google </a:t>
-            </a:r>
-            <a:r>
-              <a:rPr lang="cs-CZ" dirty="0" err="1">
-                <a:solidFill>
-                  <a:schemeClr val="tx1"/>
-                </a:solidFill>
-              </a:rPr>
-              <a:t>Assistant</a:t>
-            </a:r>
-            <a:r>
-              <a:rPr lang="cs-CZ" dirty="0">
-                <a:solidFill>
-                  <a:schemeClr val="tx1"/>
-                </a:solidFill>
-              </a:rPr>
-              <a:t>, Siri, Alexu…</a:t>
-            </a:r>
-          </a:p>
-          <a:p>
-            <a:pPr lvl="1"/>
-            <a:r>
-              <a:rPr lang="cs-CZ" dirty="0">
-                <a:solidFill>
-                  <a:schemeClr val="tx1"/>
-                </a:solidFill>
-              </a:rPr>
-              <a:t>Relativně velké množství volně dostupných řešení</a:t>
-            </a:r>
-          </a:p>
-          <a:p>
-            <a:pPr lvl="2"/>
-            <a:r>
-              <a:rPr lang="cs-CZ" dirty="0" err="1">
-                <a:solidFill>
-                  <a:schemeClr val="tx1"/>
-                </a:solidFill>
-                <a:hlinkClick r:id="rId2"/>
-              </a:rPr>
-              <a:t>Home</a:t>
-            </a:r>
-            <a:r>
-              <a:rPr lang="cs-CZ" dirty="0">
-                <a:solidFill>
-                  <a:schemeClr val="tx1"/>
-                </a:solidFill>
-                <a:hlinkClick r:id="rId2"/>
-              </a:rPr>
-              <a:t> </a:t>
-            </a:r>
-            <a:r>
-              <a:rPr lang="cs-CZ" dirty="0" err="1">
-                <a:solidFill>
-                  <a:schemeClr val="tx1"/>
-                </a:solidFill>
-                <a:hlinkClick r:id="rId2"/>
-              </a:rPr>
-              <a:t>Assistant</a:t>
-            </a:r>
-            <a:r>
-              <a:rPr lang="cs-CZ" dirty="0">
-                <a:solidFill>
-                  <a:schemeClr val="tx1"/>
-                </a:solidFill>
-              </a:rPr>
-              <a:t>, </a:t>
-            </a:r>
-            <a:r>
-              <a:rPr lang="cs-CZ" dirty="0" err="1">
-                <a:solidFill>
-                  <a:schemeClr val="tx1"/>
-                </a:solidFill>
-                <a:hlinkClick r:id="rId3"/>
-              </a:rPr>
-              <a:t>openHAB</a:t>
-            </a:r>
-            <a:r>
-              <a:rPr lang="cs-CZ" dirty="0">
-                <a:solidFill>
-                  <a:schemeClr val="tx1"/>
-                </a:solidFill>
-              </a:rPr>
-              <a:t>, </a:t>
-            </a:r>
-            <a:r>
-              <a:rPr lang="cs-CZ" dirty="0" err="1">
-                <a:solidFill>
-                  <a:schemeClr val="tx1"/>
-                </a:solidFill>
-                <a:hlinkClick r:id="rId4"/>
-              </a:rPr>
-              <a:t>Domoticz</a:t>
-            </a:r>
-            <a:r>
-              <a:rPr lang="cs-CZ" dirty="0">
-                <a:solidFill>
-                  <a:schemeClr val="tx1"/>
-                </a:solidFill>
-              </a:rPr>
-              <a:t>, </a:t>
-            </a:r>
-            <a:r>
-              <a:rPr lang="cs-CZ" dirty="0" err="1">
-                <a:solidFill>
-                  <a:schemeClr val="tx1"/>
-                </a:solidFill>
-                <a:hlinkClick r:id="rId5"/>
-              </a:rPr>
-              <a:t>ioBroker</a:t>
-            </a:r>
-            <a:r>
-              <a:rPr lang="cs-CZ" dirty="0">
-                <a:solidFill>
-                  <a:schemeClr val="tx1"/>
-                </a:solidFill>
-              </a:rPr>
-              <a:t>,…</a:t>
-            </a:r>
-          </a:p>
-        </p:txBody>
-      </p:sp>
+            <a:endParaRPr lang="cs-CZ"/>
+          </a:p>
+        </p:txBody>
+      </p:sp>
+      <p:pic>
+        <p:nvPicPr>
+          <p:cNvPr id="6" name="Obrázek 5">
+            <a:extLst>
+              <a:ext uri="{FF2B5EF4-FFF2-40B4-BE49-F238E27FC236}">
+                <a16:creationId xmlns:a16="http://schemas.microsoft.com/office/drawing/2014/main" id="{7D054A91-9162-4CD1-9347-85C00DBD7875}"/>
+              </a:ext>
+            </a:extLst>
+          </p:cNvPr>
+          <p:cNvPicPr>
+            <a:picLocks noChangeAspect="1"/>
+          </p:cNvPicPr>
+          <p:nvPr/>
+        </p:nvPicPr>
+        <p:blipFill rotWithShape="1">
+          <a:blip r:embed="rId2"/>
+          <a:srcRect t="11949"/>
+          <a:stretch/>
+        </p:blipFill>
+        <p:spPr>
+          <a:xfrm>
+            <a:off x="0" y="1364567"/>
+            <a:ext cx="7974271" cy="3742006"/>
+          </a:xfrm>
+          <a:prstGeom prst="rect">
+            <a:avLst/>
+          </a:prstGeom>
+        </p:spPr>
+      </p:pic>
+      <p:pic>
+        <p:nvPicPr>
+          <p:cNvPr id="9" name="Obrázek 8">
+            <a:extLst>
+              <a:ext uri="{FF2B5EF4-FFF2-40B4-BE49-F238E27FC236}">
+                <a16:creationId xmlns:a16="http://schemas.microsoft.com/office/drawing/2014/main" id="{8AA34F1C-AB2E-4B18-9F7F-51147227BD5E}"/>
+              </a:ext>
+            </a:extLst>
+          </p:cNvPr>
+          <p:cNvPicPr>
+            <a:picLocks noChangeAspect="1"/>
+          </p:cNvPicPr>
+          <p:nvPr/>
+        </p:nvPicPr>
+        <p:blipFill rotWithShape="1">
+          <a:blip r:embed="rId3"/>
+          <a:srcRect t="11517"/>
+          <a:stretch/>
+        </p:blipFill>
+        <p:spPr>
+          <a:xfrm>
+            <a:off x="4242689" y="3112870"/>
+            <a:ext cx="7935248" cy="3742006"/>
+          </a:xfrm>
+          <a:prstGeom prst="rect">
+            <a:avLst/>
+          </a:prstGeom>
+        </p:spPr>
+      </p:pic>
     </p:spTree>
     <p:extLst>
       <p:ext uri="{BB962C8B-B14F-4D97-AF65-F5344CB8AC3E}">
-        <p14:creationId xmlns:p14="http://schemas.microsoft.com/office/powerpoint/2010/main" val="2922934797"/>
+        <p14:creationId xmlns:p14="http://schemas.microsoft.com/office/powerpoint/2010/main" val="686536950"/>
       </p:ext>
     </p:extLst>
   </p:cSld>
@@ -9563,6 +9433,362 @@
           <p:cNvPr id="2" name="Nadpis 1">
             <a:extLst>
               <a:ext uri="{FF2B5EF4-FFF2-40B4-BE49-F238E27FC236}">
+                <a16:creationId xmlns:a16="http://schemas.microsoft.com/office/drawing/2014/main" id="{94C2AAC6-DADE-45C9-8505-B5C52640D591}"/>
+              </a:ext>
+            </a:extLst>
+          </p:cNvPr>
+          <p:cNvSpPr>
+            <a:spLocks noGrp="1"/>
+          </p:cNvSpPr>
+          <p:nvPr>
+            <p:ph type="title"/>
+          </p:nvPr>
+        </p:nvSpPr>
+        <p:spPr/>
+        <p:txBody>
+          <a:bodyPr/>
+          <a:lstStyle/>
+          <a:p>
+            <a:r>
+              <a:rPr lang="cs-CZ" dirty="0"/>
+              <a:t>Microsoft </a:t>
+            </a:r>
+            <a:r>
+              <a:rPr lang="cs-CZ" dirty="0" err="1"/>
+              <a:t>Power</a:t>
+            </a:r>
+            <a:r>
+              <a:rPr lang="cs-CZ" dirty="0"/>
+              <a:t> Automate</a:t>
+            </a:r>
+          </a:p>
+        </p:txBody>
+      </p:sp>
+      <p:sp>
+        <p:nvSpPr>
+          <p:cNvPr id="3" name="Zástupný obsah 2">
+            <a:extLst>
+              <a:ext uri="{FF2B5EF4-FFF2-40B4-BE49-F238E27FC236}">
+                <a16:creationId xmlns:a16="http://schemas.microsoft.com/office/drawing/2014/main" id="{A28495C5-23B9-4FE0-8225-F0574D04475E}"/>
+              </a:ext>
+            </a:extLst>
+          </p:cNvPr>
+          <p:cNvSpPr>
+            <a:spLocks noGrp="1"/>
+          </p:cNvSpPr>
+          <p:nvPr>
+            <p:ph idx="1"/>
+          </p:nvPr>
+        </p:nvSpPr>
+        <p:spPr/>
+        <p:txBody>
+          <a:bodyPr/>
+          <a:lstStyle/>
+          <a:p>
+            <a:r>
+              <a:rPr lang="cs-CZ" dirty="0">
+                <a:solidFill>
+                  <a:srgbClr val="FFC000"/>
+                </a:solidFill>
+              </a:rPr>
+              <a:t>Pojďme se podívat na </a:t>
+            </a:r>
+            <a:r>
+              <a:rPr lang="cs-CZ" dirty="0">
+                <a:solidFill>
+                  <a:srgbClr val="FFC000"/>
+                </a:solidFill>
+                <a:hlinkClick r:id="rId2"/>
+              </a:rPr>
+              <a:t>https://make.powerautomate.com</a:t>
+            </a:r>
+            <a:r>
+              <a:rPr lang="cs-CZ" dirty="0">
+                <a:solidFill>
+                  <a:srgbClr val="FFC000"/>
+                </a:solidFill>
+              </a:rPr>
+              <a:t> se školním účtem…</a:t>
+            </a:r>
+          </a:p>
+        </p:txBody>
+      </p:sp>
+    </p:spTree>
+    <p:extLst>
+      <p:ext uri="{BB962C8B-B14F-4D97-AF65-F5344CB8AC3E}">
+        <p14:creationId xmlns:p14="http://schemas.microsoft.com/office/powerpoint/2010/main" val="2555670809"/>
+      </p:ext>
+    </p:extLst>
+  </p:cSld>
+  <p:clrMapOvr>
+    <a:masterClrMapping/>
+  </p:clrMapOvr>
+</p:sld>
+</file>
+
+<file path=ppt/slides/slide25.xml><?xml version="1.0" encoding="utf-8"?>
+<p:sld xmlns:a="http://schemas.openxmlformats.org/drawingml/2006/main" xmlns:r="http://schemas.openxmlformats.org/officeDocument/2006/relationships" xmlns:p="http://schemas.openxmlformats.org/presentationml/2006/main">
+  <p:cSld>
+    <p:spTree>
+      <p:nvGrpSpPr>
+        <p:cNvPr id="1" name=""/>
+        <p:cNvGrpSpPr/>
+        <p:nvPr/>
+      </p:nvGrpSpPr>
+      <p:grpSpPr>
+        <a:xfrm>
+          <a:off x="0" y="0"/>
+          <a:ext cx="0" cy="0"/>
+          <a:chOff x="0" y="0"/>
+          <a:chExt cx="0" cy="0"/>
+        </a:xfrm>
+      </p:grpSpPr>
+      <p:sp>
+        <p:nvSpPr>
+          <p:cNvPr id="2" name="Nadpis 1">
+            <a:extLst>
+              <a:ext uri="{FF2B5EF4-FFF2-40B4-BE49-F238E27FC236}">
+                <a16:creationId xmlns:a16="http://schemas.microsoft.com/office/drawing/2014/main" id="{D4BDA815-9AEF-40A6-BA0C-65A2299C8584}"/>
+              </a:ext>
+            </a:extLst>
+          </p:cNvPr>
+          <p:cNvSpPr>
+            <a:spLocks noGrp="1"/>
+          </p:cNvSpPr>
+          <p:nvPr>
+            <p:ph type="title"/>
+          </p:nvPr>
+        </p:nvSpPr>
+        <p:spPr/>
+        <p:txBody>
+          <a:bodyPr/>
+          <a:lstStyle/>
+          <a:p>
+            <a:r>
+              <a:rPr lang="cs-CZ" dirty="0"/>
+              <a:t>Zdroje z „internetu věcí“</a:t>
+            </a:r>
+          </a:p>
+        </p:txBody>
+      </p:sp>
+      <p:sp>
+        <p:nvSpPr>
+          <p:cNvPr id="3" name="Zástupný obsah 2">
+            <a:extLst>
+              <a:ext uri="{FF2B5EF4-FFF2-40B4-BE49-F238E27FC236}">
+                <a16:creationId xmlns:a16="http://schemas.microsoft.com/office/drawing/2014/main" id="{10D82B64-3129-48CE-92F5-2319CC77ED0C}"/>
+              </a:ext>
+            </a:extLst>
+          </p:cNvPr>
+          <p:cNvSpPr>
+            <a:spLocks noGrp="1"/>
+          </p:cNvSpPr>
+          <p:nvPr>
+            <p:ph idx="1"/>
+          </p:nvPr>
+        </p:nvSpPr>
+        <p:spPr/>
+        <p:txBody>
+          <a:bodyPr/>
+          <a:lstStyle/>
+          <a:p>
+            <a:r>
+              <a:rPr lang="cs-CZ" i="1" dirty="0">
+                <a:solidFill>
+                  <a:srgbClr val="FFC000"/>
+                </a:solidFill>
+              </a:rPr>
+              <a:t>Co to vlastně je „internet věcí“?</a:t>
+            </a:r>
+          </a:p>
+          <a:p>
+            <a:endParaRPr lang="cs-CZ" i="1" dirty="0">
+              <a:solidFill>
+                <a:srgbClr val="FFC000"/>
+              </a:solidFill>
+            </a:endParaRPr>
+          </a:p>
+          <a:p>
+            <a:endParaRPr lang="cs-CZ" i="1" dirty="0">
+              <a:solidFill>
+                <a:srgbClr val="FFC000"/>
+              </a:solidFill>
+            </a:endParaRPr>
+          </a:p>
+          <a:p>
+            <a:r>
+              <a:rPr lang="cs-CZ" dirty="0">
+                <a:solidFill>
+                  <a:schemeClr val="tx1"/>
+                </a:solidFill>
+              </a:rPr>
+              <a:t>Portály a integrační aplikace pro IOT</a:t>
+            </a:r>
+          </a:p>
+          <a:p>
+            <a:pPr lvl="1"/>
+            <a:r>
+              <a:rPr lang="cs-CZ" dirty="0">
+                <a:solidFill>
+                  <a:schemeClr val="tx1"/>
+                </a:solidFill>
+              </a:rPr>
+              <a:t>Určitě už znáte Google </a:t>
+            </a:r>
+            <a:r>
+              <a:rPr lang="cs-CZ" dirty="0" err="1">
+                <a:solidFill>
+                  <a:schemeClr val="tx1"/>
+                </a:solidFill>
+              </a:rPr>
+              <a:t>Assistant</a:t>
+            </a:r>
+            <a:r>
+              <a:rPr lang="cs-CZ" dirty="0">
+                <a:solidFill>
+                  <a:schemeClr val="tx1"/>
+                </a:solidFill>
+              </a:rPr>
+              <a:t>, Siri, Alexu…</a:t>
+            </a:r>
+          </a:p>
+          <a:p>
+            <a:pPr lvl="1"/>
+            <a:r>
+              <a:rPr lang="cs-CZ" dirty="0">
+                <a:solidFill>
+                  <a:schemeClr val="tx1"/>
+                </a:solidFill>
+              </a:rPr>
+              <a:t>Relativně velké množství volně dostupných řešení</a:t>
+            </a:r>
+          </a:p>
+          <a:p>
+            <a:pPr lvl="2"/>
+            <a:r>
+              <a:rPr lang="cs-CZ" dirty="0" err="1">
+                <a:solidFill>
+                  <a:schemeClr val="tx1"/>
+                </a:solidFill>
+                <a:hlinkClick r:id="rId2"/>
+              </a:rPr>
+              <a:t>Home</a:t>
+            </a:r>
+            <a:r>
+              <a:rPr lang="cs-CZ" dirty="0">
+                <a:solidFill>
+                  <a:schemeClr val="tx1"/>
+                </a:solidFill>
+                <a:hlinkClick r:id="rId2"/>
+              </a:rPr>
+              <a:t> </a:t>
+            </a:r>
+            <a:r>
+              <a:rPr lang="cs-CZ" dirty="0" err="1">
+                <a:solidFill>
+                  <a:schemeClr val="tx1"/>
+                </a:solidFill>
+                <a:hlinkClick r:id="rId2"/>
+              </a:rPr>
+              <a:t>Assistant</a:t>
+            </a:r>
+            <a:r>
+              <a:rPr lang="cs-CZ" dirty="0">
+                <a:solidFill>
+                  <a:schemeClr val="tx1"/>
+                </a:solidFill>
+              </a:rPr>
+              <a:t>, </a:t>
+            </a:r>
+            <a:r>
+              <a:rPr lang="cs-CZ" dirty="0" err="1">
+                <a:solidFill>
+                  <a:schemeClr val="tx1"/>
+                </a:solidFill>
+                <a:hlinkClick r:id="rId3"/>
+              </a:rPr>
+              <a:t>openHAB</a:t>
+            </a:r>
+            <a:r>
+              <a:rPr lang="cs-CZ" dirty="0">
+                <a:solidFill>
+                  <a:schemeClr val="tx1"/>
+                </a:solidFill>
+              </a:rPr>
+              <a:t>, </a:t>
+            </a:r>
+            <a:r>
+              <a:rPr lang="cs-CZ" dirty="0" err="1">
+                <a:solidFill>
+                  <a:schemeClr val="tx1"/>
+                </a:solidFill>
+                <a:hlinkClick r:id="rId4"/>
+              </a:rPr>
+              <a:t>Domoticz</a:t>
+            </a:r>
+            <a:r>
+              <a:rPr lang="cs-CZ" dirty="0">
+                <a:solidFill>
+                  <a:schemeClr val="tx1"/>
+                </a:solidFill>
+              </a:rPr>
+              <a:t>, </a:t>
+            </a:r>
+            <a:r>
+              <a:rPr lang="cs-CZ" dirty="0" err="1">
+                <a:solidFill>
+                  <a:schemeClr val="tx1"/>
+                </a:solidFill>
+                <a:hlinkClick r:id="rId5"/>
+              </a:rPr>
+              <a:t>ioBroker</a:t>
+            </a:r>
+            <a:r>
+              <a:rPr lang="cs-CZ" dirty="0">
+                <a:solidFill>
+                  <a:schemeClr val="tx1"/>
+                </a:solidFill>
+              </a:rPr>
+              <a:t>,…</a:t>
+            </a:r>
+          </a:p>
+        </p:txBody>
+      </p:sp>
+    </p:spTree>
+    <p:extLst>
+      <p:ext uri="{BB962C8B-B14F-4D97-AF65-F5344CB8AC3E}">
+        <p14:creationId xmlns:p14="http://schemas.microsoft.com/office/powerpoint/2010/main" val="2922934797"/>
+      </p:ext>
+    </p:extLst>
+  </p:cSld>
+  <p:clrMapOvr>
+    <a:masterClrMapping/>
+  </p:clrMapOvr>
+</p:sld>
+</file>
+
+<file path=ppt/slides/slide26.xml><?xml version="1.0" encoding="utf-8"?>
+<p:sld xmlns:a="http://schemas.openxmlformats.org/drawingml/2006/main" xmlns:r="http://schemas.openxmlformats.org/officeDocument/2006/relationships" xmlns:p="http://schemas.openxmlformats.org/presentationml/2006/main">
+  <p:cSld>
+    <p:spTree>
+      <p:nvGrpSpPr>
+        <p:cNvPr id="1" name=""/>
+        <p:cNvGrpSpPr/>
+        <p:nvPr/>
+      </p:nvGrpSpPr>
+      <p:grpSpPr>
+        <a:xfrm>
+          <a:off x="0" y="0"/>
+          <a:ext cx="0" cy="0"/>
+          <a:chOff x="0" y="0"/>
+          <a:chExt cx="0" cy="0"/>
+        </a:xfrm>
+      </p:grpSpPr>
+      <p:sp>
+        <p:nvSpPr>
+          <p:cNvPr id="2" name="Nadpis 1">
+            <a:extLst>
+              <a:ext uri="{FF2B5EF4-FFF2-40B4-BE49-F238E27FC236}">
                 <a16:creationId xmlns:a16="http://schemas.microsoft.com/office/drawing/2014/main" id="{7535DA01-8503-414A-82BE-3C7462A24E62}"/>
               </a:ext>
             </a:extLst>
@@ -9600,7 +9826,7 @@
 </p:sld>
 </file>
 
-<file path=ppt/slides/slide25.xml><?xml version="1.0" encoding="utf-8"?>
+<file path=ppt/slides/slide27.xml><?xml version="1.0" encoding="utf-8"?>
 <p:sld xmlns:a="http://schemas.openxmlformats.org/drawingml/2006/main" xmlns:r="http://schemas.openxmlformats.org/officeDocument/2006/relationships" xmlns:p="http://schemas.openxmlformats.org/presentationml/2006/main">
   <p:cSld>
     <p:bg>

--- a/11-integracni-sluzby/cviceni-11.pptx
+++ b/11-integracni-sluzby/cviceni-11.pptx
@@ -863,7 +863,7 @@
             <a:fld id="{5586B75A-687E-405C-8A0B-8D00578BA2C3}" type="datetimeFigureOut">
               <a:rPr lang="en-US" smtClean="0"/>
               <a:pPr/>
-              <a:t>12/4/2022</a:t>
+              <a:t>12/3/2023</a:t>
             </a:fld>
             <a:endParaRPr lang="en-US" dirty="0"/>
           </a:p>
@@ -1116,7 +1116,7 @@
             <a:fld id="{5586B75A-687E-405C-8A0B-8D00578BA2C3}" type="datetimeFigureOut">
               <a:rPr lang="en-US" smtClean="0"/>
               <a:pPr/>
-              <a:t>12/4/2022</a:t>
+              <a:t>12/3/2023</a:t>
             </a:fld>
             <a:endParaRPr lang="en-US" dirty="0"/>
           </a:p>
@@ -1433,7 +1433,7 @@
             <a:fld id="{5586B75A-687E-405C-8A0B-8D00578BA2C3}" type="datetimeFigureOut">
               <a:rPr lang="en-US" smtClean="0"/>
               <a:pPr/>
-              <a:t>12/4/2022</a:t>
+              <a:t>12/3/2023</a:t>
             </a:fld>
             <a:endParaRPr lang="en-US" dirty="0"/>
           </a:p>
@@ -1763,7 +1763,7 @@
             <a:fld id="{5586B75A-687E-405C-8A0B-8D00578BA2C3}" type="datetimeFigureOut">
               <a:rPr lang="en-US" smtClean="0"/>
               <a:pPr/>
-              <a:t>12/4/2022</a:t>
+              <a:t>12/3/2023</a:t>
             </a:fld>
             <a:endParaRPr lang="en-US" dirty="0"/>
           </a:p>
@@ -2080,7 +2080,7 @@
             <a:fld id="{5586B75A-687E-405C-8A0B-8D00578BA2C3}" type="datetimeFigureOut">
               <a:rPr lang="en-US" smtClean="0"/>
               <a:pPr/>
-              <a:t>12/4/2022</a:t>
+              <a:t>12/3/2023</a:t>
             </a:fld>
             <a:endParaRPr lang="en-US" dirty="0"/>
           </a:p>
@@ -2470,7 +2470,7 @@
             <a:fld id="{5586B75A-687E-405C-8A0B-8D00578BA2C3}" type="datetimeFigureOut">
               <a:rPr lang="en-US" smtClean="0"/>
               <a:pPr/>
-              <a:t>12/4/2022</a:t>
+              <a:t>12/3/2023</a:t>
             </a:fld>
             <a:endParaRPr lang="en-US" dirty="0"/>
           </a:p>
@@ -2642,7 +2642,7 @@
           <a:p>
             <a:fld id="{5F4E5243-F52A-4D37-9694-EB26C6C31910}" type="datetimeFigureOut">
               <a:rPr lang="en-US" smtClean="0"/>
-              <a:t>12/4/2022</a:t>
+              <a:t>12/3/2023</a:t>
             </a:fld>
             <a:endParaRPr lang="en-US" dirty="0"/>
           </a:p>
@@ -2822,7 +2822,7 @@
           <a:p>
             <a:fld id="{3A77B6E1-634A-48DC-9E8B-D894023267EF}" type="datetimeFigureOut">
               <a:rPr lang="en-US" smtClean="0"/>
-              <a:t>12/4/2022</a:t>
+              <a:t>12/3/2023</a:t>
             </a:fld>
             <a:endParaRPr lang="en-US" dirty="0"/>
           </a:p>
@@ -2998,7 +2998,7 @@
           <a:p>
             <a:fld id="{7B2D3E9E-A95C-48F2-B4BF-A71542E0BE9A}" type="datetimeFigureOut">
               <a:rPr lang="en-US" smtClean="0"/>
-              <a:t>12/4/2022</a:t>
+              <a:t>12/3/2023</a:t>
             </a:fld>
             <a:endParaRPr lang="en-US" dirty="0"/>
           </a:p>
@@ -3246,7 +3246,7 @@
             <a:fld id="{5586B75A-687E-405C-8A0B-8D00578BA2C3}" type="datetimeFigureOut">
               <a:rPr lang="en-US" smtClean="0"/>
               <a:pPr/>
-              <a:t>12/4/2022</a:t>
+              <a:t>12/3/2023</a:t>
             </a:fld>
             <a:endParaRPr lang="en-US" dirty="0"/>
           </a:p>
@@ -3479,7 +3479,7 @@
           <a:p>
             <a:fld id="{F12952B5-7A2F-4CC8-B7CE-9234E21C2837}" type="datetimeFigureOut">
               <a:rPr lang="en-US" smtClean="0"/>
-              <a:t>12/4/2022</a:t>
+              <a:t>12/3/2023</a:t>
             </a:fld>
             <a:endParaRPr lang="en-US" dirty="0"/>
           </a:p>
@@ -3853,7 +3853,7 @@
           <a:p>
             <a:fld id="{CE1DA07A-9201-4B4B-BAF2-015AFA30F520}" type="datetimeFigureOut">
               <a:rPr lang="en-US" smtClean="0"/>
-              <a:t>12/4/2022</a:t>
+              <a:t>12/3/2023</a:t>
             </a:fld>
             <a:endParaRPr lang="en-US" dirty="0"/>
           </a:p>
@@ -3976,7 +3976,7 @@
           <a:p>
             <a:fld id="{73D7E00A-486F-4252-8B1D-E32645521F49}" type="datetimeFigureOut">
               <a:rPr lang="en-US" smtClean="0"/>
-              <a:t>12/4/2022</a:t>
+              <a:t>12/3/2023</a:t>
             </a:fld>
             <a:endParaRPr lang="en-US" dirty="0"/>
           </a:p>
@@ -4071,7 +4071,7 @@
           <a:p>
             <a:fld id="{8DDF5F92-E675-4B36-9A60-69A962A68675}" type="datetimeFigureOut">
               <a:rPr lang="en-US" smtClean="0"/>
-              <a:t>12/4/2022</a:t>
+              <a:t>12/3/2023</a:t>
             </a:fld>
             <a:endParaRPr lang="en-US" dirty="0"/>
           </a:p>
@@ -4326,7 +4326,7 @@
           <a:p>
             <a:fld id="{AF6E2C9B-5FA2-460D-9BE7-B0812FC2A6FF}" type="datetimeFigureOut">
               <a:rPr lang="en-US" smtClean="0"/>
-              <a:t>12/4/2022</a:t>
+              <a:t>12/3/2023</a:t>
             </a:fld>
             <a:endParaRPr lang="en-US" dirty="0"/>
           </a:p>
@@ -4591,7 +4591,7 @@
             <a:fld id="{5586B75A-687E-405C-8A0B-8D00578BA2C3}" type="datetimeFigureOut">
               <a:rPr lang="en-US" smtClean="0"/>
               <a:pPr/>
-              <a:t>12/4/2022</a:t>
+              <a:t>12/3/2023</a:t>
             </a:fld>
             <a:endParaRPr lang="en-US" dirty="0"/>
           </a:p>
@@ -5338,7 +5338,7 @@
             <a:fld id="{5586B75A-687E-405C-8A0B-8D00578BA2C3}" type="datetimeFigureOut">
               <a:rPr lang="en-US" smtClean="0"/>
               <a:pPr/>
-              <a:t>12/4/2022</a:t>
+              <a:t>12/3/2023</a:t>
             </a:fld>
             <a:endParaRPr lang="en-US" dirty="0"/>
           </a:p>
@@ -6181,14 +6181,14 @@
           <a:p>
             <a:r>
               <a:rPr lang="cs-CZ" dirty="0"/>
-              <a:t>Zdarma je možné vytvořit si 3 vlastní applety a zapnout libovolné množství appletů veřejných</a:t>
+              <a:t>Zdarma je možné vytvořit si 2 vlastní applety a zapnout libovolné množství appletů veřejných</a:t>
             </a:r>
           </a:p>
           <a:p>
             <a:pPr lvl="1"/>
             <a:r>
               <a:rPr lang="cs-CZ" dirty="0"/>
-              <a:t>Jinak platba 59 - 71 Kč/měsíc za PRO verzi</a:t>
+              <a:t>Jinak platba 56 - 120 Kč/měsíc za PRO verzi</a:t>
             </a:r>
           </a:p>
           <a:p>
@@ -6285,10 +6285,10 @@
       </p:sp>
       <p:pic>
         <p:nvPicPr>
-          <p:cNvPr id="6" name="Obrázek 5">
+          <p:cNvPr id="7" name="Obrázek 6">
             <a:extLst>
               <a:ext uri="{FF2B5EF4-FFF2-40B4-BE49-F238E27FC236}">
-                <a16:creationId xmlns:a16="http://schemas.microsoft.com/office/drawing/2014/main" id="{FAC46220-638A-4BA7-B448-7279C51909E2}"/>
+                <a16:creationId xmlns:a16="http://schemas.microsoft.com/office/drawing/2014/main" id="{C264292E-44C5-EBF4-B492-BF2A1FB5B902}"/>
               </a:ext>
             </a:extLst>
           </p:cNvPr>
@@ -6305,8 +6305,8 @@
         </p:blipFill>
         <p:spPr>
           <a:xfrm>
-            <a:off x="331588" y="1488613"/>
-            <a:ext cx="6902520" cy="3880773"/>
+            <a:off x="324344" y="1485146"/>
+            <a:ext cx="7220077" cy="4059311"/>
           </a:xfrm>
           <a:prstGeom prst="rect">
             <a:avLst/>
@@ -6640,7 +6640,7 @@
             <a:pPr lvl="1"/>
             <a:r>
               <a:rPr lang="cs-CZ" dirty="0"/>
-              <a:t>Placená verze od 19,99 USD/měsíc (resp. 49 USD/měsíc při potřebě filtrování) do 599 USD/měsíc pro větší firmy</a:t>
+              <a:t>Placená verze od 19,99 USD/měsíc (resp. 49 USD/měsíc při potřebě filtrování) po tarify pro firmy</a:t>
             </a:r>
           </a:p>
         </p:txBody>
@@ -7107,7 +7107,14 @@
             <a:pPr lvl="1"/>
             <a:r>
               <a:rPr lang="cs-CZ" dirty="0"/>
-              <a:t>Placené verze od 9 USD/měsíc do 8000 USD/měsíc</a:t>
+              <a:t>Placené verze od 9 USD/měsíc do 8 231 USD/měsíc</a:t>
+            </a:r>
+            <a:br>
+              <a:rPr lang="cs-CZ" dirty="0"/>
+            </a:br>
+            <a:r>
+              <a:rPr lang="cs-CZ" dirty="0"/>
+              <a:t>(či případně individuální nabídku)</a:t>
             </a:r>
           </a:p>
           <a:p>
@@ -7367,6 +7374,13 @@
               <a:schemeClr val="lt1"/>
             </a:fontRef>
           </p:style>
+          <p:txBody>
+            <a:bodyPr/>
+            <a:lstStyle/>
+            <a:p>
+              <a:endParaRPr lang="cs-CZ"/>
+            </a:p>
+          </p:txBody>
         </p:sp>
         <p:sp>
           <p:nvSpPr>
@@ -7445,6 +7459,13 @@
               <a:schemeClr val="lt1"/>
             </a:fontRef>
           </p:style>
+          <p:txBody>
+            <a:bodyPr/>
+            <a:lstStyle/>
+            <a:p>
+              <a:endParaRPr lang="cs-CZ"/>
+            </a:p>
+          </p:txBody>
         </p:sp>
         <p:sp>
           <p:nvSpPr>
@@ -7501,6 +7522,13 @@
               <a:schemeClr val="lt1"/>
             </a:fontRef>
           </p:style>
+          <p:txBody>
+            <a:bodyPr/>
+            <a:lstStyle/>
+            <a:p>
+              <a:endParaRPr lang="cs-CZ"/>
+            </a:p>
+          </p:txBody>
         </p:sp>
         <p:sp>
           <p:nvSpPr>
@@ -7580,6 +7608,13 @@
               <a:schemeClr val="lt1"/>
             </a:fontRef>
           </p:style>
+          <p:txBody>
+            <a:bodyPr/>
+            <a:lstStyle/>
+            <a:p>
+              <a:endParaRPr lang="cs-CZ"/>
+            </a:p>
+          </p:txBody>
         </p:sp>
         <p:sp>
           <p:nvSpPr>
@@ -7660,6 +7695,13 @@
               <a:schemeClr val="lt1"/>
             </a:fontRef>
           </p:style>
+          <p:txBody>
+            <a:bodyPr/>
+            <a:lstStyle/>
+            <a:p>
+              <a:endParaRPr lang="cs-CZ"/>
+            </a:p>
+          </p:txBody>
         </p:sp>
         <p:sp>
           <p:nvSpPr>
@@ -7738,6 +7780,13 @@
               <a:schemeClr val="lt1"/>
             </a:fontRef>
           </p:style>
+          <p:txBody>
+            <a:bodyPr/>
+            <a:lstStyle/>
+            <a:p>
+              <a:endParaRPr lang="cs-CZ"/>
+            </a:p>
+          </p:txBody>
         </p:sp>
         <p:sp>
           <p:nvSpPr>
@@ -7794,6 +7843,13 @@
               <a:schemeClr val="lt1"/>
             </a:fontRef>
           </p:style>
+          <p:txBody>
+            <a:bodyPr/>
+            <a:lstStyle/>
+            <a:p>
+              <a:endParaRPr lang="cs-CZ"/>
+            </a:p>
+          </p:txBody>
         </p:sp>
         <p:sp>
           <p:nvSpPr>
@@ -7850,6 +7906,13 @@
               <a:schemeClr val="lt1"/>
             </a:fontRef>
           </p:style>
+          <p:txBody>
+            <a:bodyPr/>
+            <a:lstStyle/>
+            <a:p>
+              <a:endParaRPr lang="cs-CZ"/>
+            </a:p>
+          </p:txBody>
         </p:sp>
       </p:grpSp>
       <p:sp>
@@ -8075,6 +8138,13 @@
               <a:schemeClr val="lt1"/>
             </a:fontRef>
           </p:style>
+          <p:txBody>
+            <a:bodyPr/>
+            <a:lstStyle/>
+            <a:p>
+              <a:endParaRPr lang="cs-CZ"/>
+            </a:p>
+          </p:txBody>
         </p:sp>
         <p:sp>
           <p:nvSpPr>
@@ -8153,6 +8223,13 @@
               <a:schemeClr val="lt1"/>
             </a:fontRef>
           </p:style>
+          <p:txBody>
+            <a:bodyPr/>
+            <a:lstStyle/>
+            <a:p>
+              <a:endParaRPr lang="cs-CZ"/>
+            </a:p>
+          </p:txBody>
         </p:sp>
         <p:sp>
           <p:nvSpPr>
@@ -8209,6 +8286,13 @@
               <a:schemeClr val="lt1"/>
             </a:fontRef>
           </p:style>
+          <p:txBody>
+            <a:bodyPr/>
+            <a:lstStyle/>
+            <a:p>
+              <a:endParaRPr lang="cs-CZ"/>
+            </a:p>
+          </p:txBody>
         </p:sp>
         <p:sp>
           <p:nvSpPr>
@@ -8288,6 +8372,13 @@
               <a:schemeClr val="lt1"/>
             </a:fontRef>
           </p:style>
+          <p:txBody>
+            <a:bodyPr/>
+            <a:lstStyle/>
+            <a:p>
+              <a:endParaRPr lang="cs-CZ"/>
+            </a:p>
+          </p:txBody>
         </p:sp>
         <p:sp>
           <p:nvSpPr>
@@ -8368,6 +8459,13 @@
               <a:schemeClr val="lt1"/>
             </a:fontRef>
           </p:style>
+          <p:txBody>
+            <a:bodyPr/>
+            <a:lstStyle/>
+            <a:p>
+              <a:endParaRPr lang="cs-CZ"/>
+            </a:p>
+          </p:txBody>
         </p:sp>
         <p:sp>
           <p:nvSpPr>
@@ -8446,6 +8544,13 @@
               <a:schemeClr val="lt1"/>
             </a:fontRef>
           </p:style>
+          <p:txBody>
+            <a:bodyPr/>
+            <a:lstStyle/>
+            <a:p>
+              <a:endParaRPr lang="cs-CZ"/>
+            </a:p>
+          </p:txBody>
         </p:sp>
         <p:sp>
           <p:nvSpPr>
@@ -8502,6 +8607,13 @@
               <a:schemeClr val="lt1"/>
             </a:fontRef>
           </p:style>
+          <p:txBody>
+            <a:bodyPr/>
+            <a:lstStyle/>
+            <a:p>
+              <a:endParaRPr lang="cs-CZ"/>
+            </a:p>
+          </p:txBody>
         </p:sp>
         <p:sp>
           <p:nvSpPr>
@@ -8558,6 +8670,13 @@
               <a:schemeClr val="lt1"/>
             </a:fontRef>
           </p:style>
+          <p:txBody>
+            <a:bodyPr/>
+            <a:lstStyle/>
+            <a:p>
+              <a:endParaRPr lang="cs-CZ"/>
+            </a:p>
+          </p:txBody>
         </p:sp>
       </p:grpSp>
       <p:sp>
@@ -9219,11 +9338,11 @@
               <a:rPr lang="cs-CZ" dirty="0">
                 <a:hlinkClick r:id="rId2"/>
               </a:rPr>
-              <a:t>https://powerautomate.microsoft.com</a:t>
+              <a:t>https://make.powerautomate.com</a:t>
             </a:r>
             <a:r>
               <a:rPr lang="cs-CZ" dirty="0"/>
-              <a:t>, případně v O365</a:t>
+              <a:t>, případně odkaz z Microsoft 365</a:t>
             </a:r>
           </a:p>
           <a:p>
@@ -10122,6 +10241,13 @@
               <a:schemeClr val="lt1"/>
             </a:fontRef>
           </p:style>
+          <p:txBody>
+            <a:bodyPr/>
+            <a:lstStyle/>
+            <a:p>
+              <a:endParaRPr lang="cs-CZ"/>
+            </a:p>
+          </p:txBody>
         </p:sp>
         <p:sp>
           <p:nvSpPr>
@@ -10200,6 +10326,13 @@
               <a:schemeClr val="lt1"/>
             </a:fontRef>
           </p:style>
+          <p:txBody>
+            <a:bodyPr/>
+            <a:lstStyle/>
+            <a:p>
+              <a:endParaRPr lang="cs-CZ"/>
+            </a:p>
+          </p:txBody>
         </p:sp>
         <p:sp>
           <p:nvSpPr>
@@ -10256,6 +10389,13 @@
               <a:schemeClr val="lt1"/>
             </a:fontRef>
           </p:style>
+          <p:txBody>
+            <a:bodyPr/>
+            <a:lstStyle/>
+            <a:p>
+              <a:endParaRPr lang="cs-CZ"/>
+            </a:p>
+          </p:txBody>
         </p:sp>
         <p:sp>
           <p:nvSpPr>
@@ -10335,6 +10475,13 @@
               <a:schemeClr val="lt1"/>
             </a:fontRef>
           </p:style>
+          <p:txBody>
+            <a:bodyPr/>
+            <a:lstStyle/>
+            <a:p>
+              <a:endParaRPr lang="cs-CZ"/>
+            </a:p>
+          </p:txBody>
         </p:sp>
         <p:sp>
           <p:nvSpPr>
@@ -10415,6 +10562,13 @@
               <a:schemeClr val="lt1"/>
             </a:fontRef>
           </p:style>
+          <p:txBody>
+            <a:bodyPr/>
+            <a:lstStyle/>
+            <a:p>
+              <a:endParaRPr lang="cs-CZ"/>
+            </a:p>
+          </p:txBody>
         </p:sp>
         <p:sp>
           <p:nvSpPr>
@@ -10493,6 +10647,13 @@
               <a:schemeClr val="lt1"/>
             </a:fontRef>
           </p:style>
+          <p:txBody>
+            <a:bodyPr/>
+            <a:lstStyle/>
+            <a:p>
+              <a:endParaRPr lang="cs-CZ"/>
+            </a:p>
+          </p:txBody>
         </p:sp>
         <p:sp>
           <p:nvSpPr>
@@ -10549,6 +10710,13 @@
               <a:schemeClr val="lt1"/>
             </a:fontRef>
           </p:style>
+          <p:txBody>
+            <a:bodyPr/>
+            <a:lstStyle/>
+            <a:p>
+              <a:endParaRPr lang="cs-CZ"/>
+            </a:p>
+          </p:txBody>
         </p:sp>
         <p:sp>
           <p:nvSpPr>
@@ -10605,6 +10773,13 @@
               <a:schemeClr val="lt1"/>
             </a:fontRef>
           </p:style>
+          <p:txBody>
+            <a:bodyPr/>
+            <a:lstStyle/>
+            <a:p>
+              <a:endParaRPr lang="cs-CZ"/>
+            </a:p>
+          </p:txBody>
         </p:sp>
       </p:grpSp>
       <p:sp>
@@ -12171,6 +12346,13 @@
             <a:schemeClr val="lt1"/>
           </a:fontRef>
         </p:style>
+        <p:txBody>
+          <a:bodyPr/>
+          <a:lstStyle/>
+          <a:p>
+            <a:endParaRPr lang="cs-CZ"/>
+          </a:p>
+        </p:txBody>
       </p:sp>
       <p:sp>
         <p:nvSpPr>
@@ -12251,6 +12433,13 @@
             <a:schemeClr val="lt1"/>
           </a:fontRef>
         </p:style>
+        <p:txBody>
+          <a:bodyPr/>
+          <a:lstStyle/>
+          <a:p>
+            <a:endParaRPr lang="cs-CZ"/>
+          </a:p>
+        </p:txBody>
       </p:sp>
       <p:sp>
         <p:nvSpPr>
@@ -12309,6 +12498,13 @@
             <a:schemeClr val="lt1"/>
           </a:fontRef>
         </p:style>
+        <p:txBody>
+          <a:bodyPr/>
+          <a:lstStyle/>
+          <a:p>
+            <a:endParaRPr lang="cs-CZ"/>
+          </a:p>
+        </p:txBody>
       </p:sp>
       <p:sp>
         <p:nvSpPr>
@@ -12390,6 +12586,13 @@
             <a:schemeClr val="lt1"/>
           </a:fontRef>
         </p:style>
+        <p:txBody>
+          <a:bodyPr/>
+          <a:lstStyle/>
+          <a:p>
+            <a:endParaRPr lang="cs-CZ"/>
+          </a:p>
+        </p:txBody>
       </p:sp>
       <p:sp>
         <p:nvSpPr>
@@ -12472,6 +12675,13 @@
             <a:schemeClr val="lt1"/>
           </a:fontRef>
         </p:style>
+        <p:txBody>
+          <a:bodyPr/>
+          <a:lstStyle/>
+          <a:p>
+            <a:endParaRPr lang="cs-CZ"/>
+          </a:p>
+        </p:txBody>
       </p:sp>
       <p:sp>
         <p:nvSpPr>
@@ -12552,6 +12762,13 @@
             <a:schemeClr val="lt1"/>
           </a:fontRef>
         </p:style>
+        <p:txBody>
+          <a:bodyPr/>
+          <a:lstStyle/>
+          <a:p>
+            <a:endParaRPr lang="cs-CZ"/>
+          </a:p>
+        </p:txBody>
       </p:sp>
       <p:sp>
         <p:nvSpPr>
@@ -12610,6 +12827,13 @@
             <a:schemeClr val="lt1"/>
           </a:fontRef>
         </p:style>
+        <p:txBody>
+          <a:bodyPr/>
+          <a:lstStyle/>
+          <a:p>
+            <a:endParaRPr lang="cs-CZ"/>
+          </a:p>
+        </p:txBody>
       </p:sp>
       <p:sp>
         <p:nvSpPr>
